--- a/BBC microbit lesson 1.pptx
+++ b/BBC microbit lesson 1.pptx
@@ -111,6 +111,22 @@
       </a:defRPr>
     </a:lvl9pPr>
   </p:defaultTextStyle>
+  <p:extLst>
+    <p:ext uri="{EFAFB233-063F-42B5-8137-9DF3F51BA10A}">
+      <p15:sldGuideLst xmlns:p15="http://schemas.microsoft.com/office/powerpoint/2012/main">
+        <p15:guide id="1" orient="horz" pos="2160">
+          <p15:clr>
+            <a:srgbClr val="A4A3A4"/>
+          </p15:clr>
+        </p15:guide>
+        <p15:guide id="2" pos="2880">
+          <p15:clr>
+            <a:srgbClr val="A4A3A4"/>
+          </p15:clr>
+        </p15:guide>
+      </p15:sldGuideLst>
+    </p:ext>
+  </p:extLst>
 </p:presentation>
 </file>
 
@@ -158,7 +174,7 @@
           </a:lstStyle>
           <a:p>
             <a:r>
-              <a:rPr lang="en-US" smtClean="0"/>
+              <a:rPr lang="en-US"/>
               <a:t>Click to edit Master title style</a:t>
             </a:r>
             <a:endParaRPr lang="en-US" dirty="0"/>
@@ -278,7 +294,7 @@
           </a:lstStyle>
           <a:p>
             <a:r>
-              <a:rPr lang="en-US" smtClean="0"/>
+              <a:rPr lang="en-US"/>
               <a:t>Click to edit Master subtitle style</a:t>
             </a:r>
             <a:endParaRPr lang="en-US" dirty="0"/>
@@ -302,7 +318,7 @@
           <a:p>
             <a:fld id="{79B4632F-3F4A-45AD-A0A2-AA26E2F80361}" type="datetimeFigureOut">
               <a:rPr lang="en-GB" smtClean="0"/>
-              <a:t>21/06/2016</a:t>
+              <a:t>12/07/2016</a:t>
             </a:fld>
             <a:endParaRPr lang="en-GB"/>
           </a:p>
@@ -426,10 +442,9 @@
           <a:lstStyle/>
           <a:p>
             <a:r>
-              <a:rPr lang="en-US" smtClean="0"/>
+              <a:rPr lang="en-US"/>
               <a:t>Click to edit Master title style</a:t>
             </a:r>
-            <a:endParaRPr lang="en-US"/>
           </a:p>
         </p:txBody>
       </p:sp>
@@ -450,38 +465,37 @@
           <a:p>
             <a:pPr lvl="0"/>
             <a:r>
-              <a:rPr lang="en-US" smtClean="0"/>
+              <a:rPr lang="en-US"/>
               <a:t>Click to edit Master text styles</a:t>
             </a:r>
           </a:p>
           <a:p>
             <a:pPr lvl="1"/>
             <a:r>
-              <a:rPr lang="en-US" smtClean="0"/>
+              <a:rPr lang="en-US"/>
               <a:t>Second level</a:t>
             </a:r>
           </a:p>
           <a:p>
             <a:pPr lvl="2"/>
             <a:r>
-              <a:rPr lang="en-US" smtClean="0"/>
+              <a:rPr lang="en-US"/>
               <a:t>Third level</a:t>
             </a:r>
           </a:p>
           <a:p>
             <a:pPr lvl="3"/>
             <a:r>
-              <a:rPr lang="en-US" smtClean="0"/>
+              <a:rPr lang="en-US"/>
               <a:t>Fourth level</a:t>
             </a:r>
           </a:p>
           <a:p>
             <a:pPr lvl="4"/>
             <a:r>
-              <a:rPr lang="en-US" smtClean="0"/>
+              <a:rPr lang="en-US"/>
               <a:t>Fifth level</a:t>
             </a:r>
-            <a:endParaRPr lang="en-US"/>
           </a:p>
         </p:txBody>
       </p:sp>
@@ -502,7 +516,7 @@
           <a:p>
             <a:fld id="{79B4632F-3F4A-45AD-A0A2-AA26E2F80361}" type="datetimeFigureOut">
               <a:rPr lang="en-GB" smtClean="0"/>
-              <a:t>21/06/2016</a:t>
+              <a:t>12/07/2016</a:t>
             </a:fld>
             <a:endParaRPr lang="en-GB"/>
           </a:p>
@@ -596,7 +610,7 @@
           <a:lstStyle/>
           <a:p>
             <a:r>
-              <a:rPr lang="en-US" smtClean="0"/>
+              <a:rPr lang="en-US"/>
               <a:t>Click to edit Master title style</a:t>
             </a:r>
             <a:endParaRPr lang="en-US" dirty="0"/>
@@ -625,35 +639,35 @@
           <a:p>
             <a:pPr lvl="0"/>
             <a:r>
-              <a:rPr lang="en-US" smtClean="0"/>
+              <a:rPr lang="en-US"/>
               <a:t>Click to edit Master text styles</a:t>
             </a:r>
           </a:p>
           <a:p>
             <a:pPr lvl="1"/>
             <a:r>
-              <a:rPr lang="en-US" smtClean="0"/>
+              <a:rPr lang="en-US"/>
               <a:t>Second level</a:t>
             </a:r>
           </a:p>
           <a:p>
             <a:pPr lvl="2"/>
             <a:r>
-              <a:rPr lang="en-US" smtClean="0"/>
+              <a:rPr lang="en-US"/>
               <a:t>Third level</a:t>
             </a:r>
           </a:p>
           <a:p>
             <a:pPr lvl="3"/>
             <a:r>
-              <a:rPr lang="en-US" smtClean="0"/>
+              <a:rPr lang="en-US"/>
               <a:t>Fourth level</a:t>
             </a:r>
           </a:p>
           <a:p>
             <a:pPr lvl="4"/>
             <a:r>
-              <a:rPr lang="en-US" smtClean="0"/>
+              <a:rPr lang="en-US"/>
               <a:t>Fifth level</a:t>
             </a:r>
             <a:endParaRPr lang="en-US" dirty="0"/>
@@ -677,7 +691,7 @@
           <a:p>
             <a:fld id="{79B4632F-3F4A-45AD-A0A2-AA26E2F80361}" type="datetimeFigureOut">
               <a:rPr lang="en-GB" smtClean="0"/>
-              <a:t>21/06/2016</a:t>
+              <a:t>12/07/2016</a:t>
             </a:fld>
             <a:endParaRPr lang="en-GB"/>
           </a:p>
@@ -766,10 +780,9 @@
           <a:lstStyle/>
           <a:p>
             <a:r>
-              <a:rPr lang="en-US" smtClean="0"/>
+              <a:rPr lang="en-US"/>
               <a:t>Click to edit Master title style</a:t>
             </a:r>
-            <a:endParaRPr lang="en-US"/>
           </a:p>
         </p:txBody>
       </p:sp>
@@ -790,38 +803,37 @@
           <a:p>
             <a:pPr lvl="0"/>
             <a:r>
-              <a:rPr lang="en-US" smtClean="0"/>
+              <a:rPr lang="en-US"/>
               <a:t>Click to edit Master text styles</a:t>
             </a:r>
           </a:p>
           <a:p>
             <a:pPr lvl="1"/>
             <a:r>
-              <a:rPr lang="en-US" smtClean="0"/>
+              <a:rPr lang="en-US"/>
               <a:t>Second level</a:t>
             </a:r>
           </a:p>
           <a:p>
             <a:pPr lvl="2"/>
             <a:r>
-              <a:rPr lang="en-US" smtClean="0"/>
+              <a:rPr lang="en-US"/>
               <a:t>Third level</a:t>
             </a:r>
           </a:p>
           <a:p>
             <a:pPr lvl="3"/>
             <a:r>
-              <a:rPr lang="en-US" smtClean="0"/>
+              <a:rPr lang="en-US"/>
               <a:t>Fourth level</a:t>
             </a:r>
           </a:p>
           <a:p>
             <a:pPr lvl="4"/>
             <a:r>
-              <a:rPr lang="en-US" smtClean="0"/>
+              <a:rPr lang="en-US"/>
               <a:t>Fifth level</a:t>
             </a:r>
-            <a:endParaRPr lang="en-US"/>
           </a:p>
         </p:txBody>
       </p:sp>
@@ -842,7 +854,7 @@
           <a:p>
             <a:fld id="{79B4632F-3F4A-45AD-A0A2-AA26E2F80361}" type="datetimeFigureOut">
               <a:rPr lang="en-GB" smtClean="0"/>
-              <a:t>21/06/2016</a:t>
+              <a:t>12/07/2016</a:t>
             </a:fld>
             <a:endParaRPr lang="en-GB"/>
           </a:p>
@@ -947,7 +959,7 @@
           </a:lstStyle>
           <a:p>
             <a:r>
-              <a:rPr lang="en-US" smtClean="0"/>
+              <a:rPr lang="en-US"/>
               <a:t>Click to edit Master title style</a:t>
             </a:r>
             <a:endParaRPr lang="en-US" dirty="0"/>
@@ -1067,7 +1079,7 @@
           <a:p>
             <a:pPr lvl="0"/>
             <a:r>
-              <a:rPr lang="en-US" smtClean="0"/>
+              <a:rPr lang="en-US"/>
               <a:t>Click to edit Master text styles</a:t>
             </a:r>
           </a:p>
@@ -1090,7 +1102,7 @@
           <a:p>
             <a:fld id="{79B4632F-3F4A-45AD-A0A2-AA26E2F80361}" type="datetimeFigureOut">
               <a:rPr lang="en-GB" smtClean="0"/>
-              <a:t>21/06/2016</a:t>
+              <a:t>12/07/2016</a:t>
             </a:fld>
             <a:endParaRPr lang="en-GB"/>
           </a:p>
@@ -1214,10 +1226,9 @@
           <a:lstStyle/>
           <a:p>
             <a:r>
-              <a:rPr lang="en-US" smtClean="0"/>
+              <a:rPr lang="en-US"/>
               <a:t>Click to edit Master title style</a:t>
             </a:r>
-            <a:endParaRPr lang="en-US"/>
           </a:p>
         </p:txBody>
       </p:sp>
@@ -1271,35 +1282,35 @@
           <a:p>
             <a:pPr lvl="0"/>
             <a:r>
-              <a:rPr lang="en-US" smtClean="0"/>
+              <a:rPr lang="en-US"/>
               <a:t>Click to edit Master text styles</a:t>
             </a:r>
           </a:p>
           <a:p>
             <a:pPr lvl="1"/>
             <a:r>
-              <a:rPr lang="en-US" smtClean="0"/>
+              <a:rPr lang="en-US"/>
               <a:t>Second level</a:t>
             </a:r>
           </a:p>
           <a:p>
             <a:pPr lvl="2"/>
             <a:r>
-              <a:rPr lang="en-US" smtClean="0"/>
+              <a:rPr lang="en-US"/>
               <a:t>Third level</a:t>
             </a:r>
           </a:p>
           <a:p>
             <a:pPr lvl="3"/>
             <a:r>
-              <a:rPr lang="en-US" smtClean="0"/>
+              <a:rPr lang="en-US"/>
               <a:t>Fourth level</a:t>
             </a:r>
           </a:p>
           <a:p>
             <a:pPr lvl="4"/>
             <a:r>
-              <a:rPr lang="en-US" smtClean="0"/>
+              <a:rPr lang="en-US"/>
               <a:t>Fifth level</a:t>
             </a:r>
             <a:endParaRPr lang="en-US" dirty="0"/>
@@ -1356,35 +1367,35 @@
           <a:p>
             <a:pPr lvl="0"/>
             <a:r>
-              <a:rPr lang="en-US" smtClean="0"/>
+              <a:rPr lang="en-US"/>
               <a:t>Click to edit Master text styles</a:t>
             </a:r>
           </a:p>
           <a:p>
             <a:pPr lvl="1"/>
             <a:r>
-              <a:rPr lang="en-US" smtClean="0"/>
+              <a:rPr lang="en-US"/>
               <a:t>Second level</a:t>
             </a:r>
           </a:p>
           <a:p>
             <a:pPr lvl="2"/>
             <a:r>
-              <a:rPr lang="en-US" smtClean="0"/>
+              <a:rPr lang="en-US"/>
               <a:t>Third level</a:t>
             </a:r>
           </a:p>
           <a:p>
             <a:pPr lvl="3"/>
             <a:r>
-              <a:rPr lang="en-US" smtClean="0"/>
+              <a:rPr lang="en-US"/>
               <a:t>Fourth level</a:t>
             </a:r>
           </a:p>
           <a:p>
             <a:pPr lvl="4"/>
             <a:r>
-              <a:rPr lang="en-US" smtClean="0"/>
+              <a:rPr lang="en-US"/>
               <a:t>Fifth level</a:t>
             </a:r>
             <a:endParaRPr lang="en-US" dirty="0"/>
@@ -1408,7 +1419,7 @@
           <a:p>
             <a:fld id="{79B4632F-3F4A-45AD-A0A2-AA26E2F80361}" type="datetimeFigureOut">
               <a:rPr lang="en-GB" smtClean="0"/>
-              <a:t>21/06/2016</a:t>
+              <a:t>12/07/2016</a:t>
             </a:fld>
             <a:endParaRPr lang="en-GB"/>
           </a:p>
@@ -1501,7 +1512,7 @@
           </a:lstStyle>
           <a:p>
             <a:r>
-              <a:rPr lang="en-US" smtClean="0"/>
+              <a:rPr lang="en-US"/>
               <a:t>Click to edit Master title style</a:t>
             </a:r>
             <a:endParaRPr lang="en-US" dirty="0"/>
@@ -1590,7 +1601,7 @@
           <a:p>
             <a:pPr lvl="0"/>
             <a:r>
-              <a:rPr lang="en-US" smtClean="0"/>
+              <a:rPr lang="en-US"/>
               <a:t>Click to edit Master text styles</a:t>
             </a:r>
           </a:p>
@@ -1646,35 +1657,35 @@
           <a:p>
             <a:pPr lvl="0"/>
             <a:r>
-              <a:rPr lang="en-US" smtClean="0"/>
+              <a:rPr lang="en-US"/>
               <a:t>Click to edit Master text styles</a:t>
             </a:r>
           </a:p>
           <a:p>
             <a:pPr lvl="1"/>
             <a:r>
-              <a:rPr lang="en-US" smtClean="0"/>
+              <a:rPr lang="en-US"/>
               <a:t>Second level</a:t>
             </a:r>
           </a:p>
           <a:p>
             <a:pPr lvl="2"/>
             <a:r>
-              <a:rPr lang="en-US" smtClean="0"/>
+              <a:rPr lang="en-US"/>
               <a:t>Third level</a:t>
             </a:r>
           </a:p>
           <a:p>
             <a:pPr lvl="3"/>
             <a:r>
-              <a:rPr lang="en-US" smtClean="0"/>
+              <a:rPr lang="en-US"/>
               <a:t>Fourth level</a:t>
             </a:r>
           </a:p>
           <a:p>
             <a:pPr lvl="4"/>
             <a:r>
-              <a:rPr lang="en-US" smtClean="0"/>
+              <a:rPr lang="en-US"/>
               <a:t>Fifth level</a:t>
             </a:r>
             <a:endParaRPr lang="en-US" dirty="0"/>
@@ -1766,7 +1777,7 @@
           <a:p>
             <a:pPr lvl="0"/>
             <a:r>
-              <a:rPr lang="en-US" smtClean="0"/>
+              <a:rPr lang="en-US"/>
               <a:t>Click to edit Master text styles</a:t>
             </a:r>
           </a:p>
@@ -1822,35 +1833,35 @@
           <a:p>
             <a:pPr lvl="0"/>
             <a:r>
-              <a:rPr lang="en-US" smtClean="0"/>
+              <a:rPr lang="en-US"/>
               <a:t>Click to edit Master text styles</a:t>
             </a:r>
           </a:p>
           <a:p>
             <a:pPr lvl="1"/>
             <a:r>
-              <a:rPr lang="en-US" smtClean="0"/>
+              <a:rPr lang="en-US"/>
               <a:t>Second level</a:t>
             </a:r>
           </a:p>
           <a:p>
             <a:pPr lvl="2"/>
             <a:r>
-              <a:rPr lang="en-US" smtClean="0"/>
+              <a:rPr lang="en-US"/>
               <a:t>Third level</a:t>
             </a:r>
           </a:p>
           <a:p>
             <a:pPr lvl="3"/>
             <a:r>
-              <a:rPr lang="en-US" smtClean="0"/>
+              <a:rPr lang="en-US"/>
               <a:t>Fourth level</a:t>
             </a:r>
           </a:p>
           <a:p>
             <a:pPr lvl="4"/>
             <a:r>
-              <a:rPr lang="en-US" smtClean="0"/>
+              <a:rPr lang="en-US"/>
               <a:t>Fifth level</a:t>
             </a:r>
             <a:endParaRPr lang="en-US" dirty="0"/>
@@ -1874,7 +1885,7 @@
           <a:p>
             <a:fld id="{79B4632F-3F4A-45AD-A0A2-AA26E2F80361}" type="datetimeFigureOut">
               <a:rPr lang="en-GB" smtClean="0"/>
-              <a:t>21/06/2016</a:t>
+              <a:t>12/07/2016</a:t>
             </a:fld>
             <a:endParaRPr lang="en-GB"/>
           </a:p>
@@ -1998,10 +2009,9 @@
           <a:lstStyle/>
           <a:p>
             <a:r>
-              <a:rPr lang="en-US" smtClean="0"/>
+              <a:rPr lang="en-US"/>
               <a:t>Click to edit Master title style</a:t>
             </a:r>
-            <a:endParaRPr lang="en-US"/>
           </a:p>
         </p:txBody>
       </p:sp>
@@ -2022,7 +2032,7 @@
           <a:p>
             <a:fld id="{79B4632F-3F4A-45AD-A0A2-AA26E2F80361}" type="datetimeFigureOut">
               <a:rPr lang="en-GB" smtClean="0"/>
-              <a:t>21/06/2016</a:t>
+              <a:t>12/07/2016</a:t>
             </a:fld>
             <a:endParaRPr lang="en-GB"/>
           </a:p>
@@ -2112,7 +2122,7 @@
           <a:p>
             <a:fld id="{79B4632F-3F4A-45AD-A0A2-AA26E2F80361}" type="datetimeFigureOut">
               <a:rPr lang="en-GB" smtClean="0"/>
-              <a:t>21/06/2016</a:t>
+              <a:t>12/07/2016</a:t>
             </a:fld>
             <a:endParaRPr lang="en-GB"/>
           </a:p>
@@ -2212,7 +2222,7 @@
           </a:lstStyle>
           <a:p>
             <a:r>
-              <a:rPr lang="en-US" smtClean="0"/>
+              <a:rPr lang="en-US"/>
               <a:t>Click to edit Master title style</a:t>
             </a:r>
             <a:endParaRPr lang="en-US" dirty="0"/>
@@ -2269,35 +2279,35 @@
           <a:p>
             <a:pPr lvl="0"/>
             <a:r>
-              <a:rPr lang="en-US" smtClean="0"/>
+              <a:rPr lang="en-US"/>
               <a:t>Click to edit Master text styles</a:t>
             </a:r>
           </a:p>
           <a:p>
             <a:pPr lvl="1"/>
             <a:r>
-              <a:rPr lang="en-US" smtClean="0"/>
+              <a:rPr lang="en-US"/>
               <a:t>Second level</a:t>
             </a:r>
           </a:p>
           <a:p>
             <a:pPr lvl="2"/>
             <a:r>
-              <a:rPr lang="en-US" smtClean="0"/>
+              <a:rPr lang="en-US"/>
               <a:t>Third level</a:t>
             </a:r>
           </a:p>
           <a:p>
             <a:pPr lvl="3"/>
             <a:r>
-              <a:rPr lang="en-US" smtClean="0"/>
+              <a:rPr lang="en-US"/>
               <a:t>Fourth level</a:t>
             </a:r>
           </a:p>
           <a:p>
             <a:pPr lvl="4"/>
             <a:r>
-              <a:rPr lang="en-US" smtClean="0"/>
+              <a:rPr lang="en-US"/>
               <a:t>Fifth level</a:t>
             </a:r>
             <a:endParaRPr lang="en-US" dirty="0"/>
@@ -2363,7 +2373,7 @@
           <a:p>
             <a:pPr lvl="0"/>
             <a:r>
-              <a:rPr lang="en-US" smtClean="0"/>
+              <a:rPr lang="en-US"/>
               <a:t>Click to edit Master text styles</a:t>
             </a:r>
           </a:p>
@@ -2386,7 +2396,7 @@
           <a:p>
             <a:fld id="{79B4632F-3F4A-45AD-A0A2-AA26E2F80361}" type="datetimeFigureOut">
               <a:rPr lang="en-GB" smtClean="0"/>
-              <a:t>21/06/2016</a:t>
+              <a:t>12/07/2016</a:t>
             </a:fld>
             <a:endParaRPr lang="en-GB"/>
           </a:p>
@@ -2521,7 +2531,7 @@
           </a:lstStyle>
           <a:p>
             <a:r>
-              <a:rPr lang="en-US" smtClean="0"/>
+              <a:rPr lang="en-US"/>
               <a:t>Click to edit Master title style</a:t>
             </a:r>
             <a:endParaRPr lang="en-US" dirty="0"/>
@@ -2602,7 +2612,7 @@
           </a:lstStyle>
           <a:p>
             <a:r>
-              <a:rPr lang="en-US" smtClean="0"/>
+              <a:rPr lang="en-US"/>
               <a:t>Click icon to add picture</a:t>
             </a:r>
             <a:endParaRPr lang="en-US" dirty="0"/>
@@ -2668,7 +2678,7 @@
           <a:p>
             <a:pPr lvl="0"/>
             <a:r>
-              <a:rPr lang="en-US" smtClean="0"/>
+              <a:rPr lang="en-US"/>
               <a:t>Click to edit Master text styles</a:t>
             </a:r>
           </a:p>
@@ -2691,7 +2701,7 @@
           <a:p>
             <a:fld id="{79B4632F-3F4A-45AD-A0A2-AA26E2F80361}" type="datetimeFigureOut">
               <a:rPr lang="en-GB" smtClean="0"/>
-              <a:t>21/06/2016</a:t>
+              <a:t>12/07/2016</a:t>
             </a:fld>
             <a:endParaRPr lang="en-GB"/>
           </a:p>
@@ -2841,7 +2851,7 @@
           <a:lstStyle/>
           <a:p>
             <a:r>
-              <a:rPr lang="en-US" smtClean="0"/>
+              <a:rPr lang="en-US"/>
               <a:t>Click to edit Master title style</a:t>
             </a:r>
             <a:endParaRPr lang="en-US" dirty="0"/>
@@ -2875,35 +2885,35 @@
           <a:p>
             <a:pPr lvl="0"/>
             <a:r>
-              <a:rPr lang="en-US" smtClean="0"/>
+              <a:rPr lang="en-US"/>
               <a:t>Click to edit Master text styles</a:t>
             </a:r>
           </a:p>
           <a:p>
             <a:pPr lvl="1"/>
             <a:r>
-              <a:rPr lang="en-US" smtClean="0"/>
+              <a:rPr lang="en-US"/>
               <a:t>Second level</a:t>
             </a:r>
           </a:p>
           <a:p>
             <a:pPr lvl="2"/>
             <a:r>
-              <a:rPr lang="en-US" smtClean="0"/>
+              <a:rPr lang="en-US"/>
               <a:t>Third level</a:t>
             </a:r>
           </a:p>
           <a:p>
             <a:pPr lvl="3"/>
             <a:r>
-              <a:rPr lang="en-US" smtClean="0"/>
+              <a:rPr lang="en-US"/>
               <a:t>Fourth level</a:t>
             </a:r>
           </a:p>
           <a:p>
             <a:pPr lvl="4"/>
             <a:r>
-              <a:rPr lang="en-US" smtClean="0"/>
+              <a:rPr lang="en-US"/>
               <a:t>Fifth level</a:t>
             </a:r>
             <a:endParaRPr lang="en-US" dirty="0"/>
@@ -2989,7 +2999,7 @@
           <a:p>
             <a:fld id="{79B4632F-3F4A-45AD-A0A2-AA26E2F80361}" type="datetimeFigureOut">
               <a:rPr lang="en-GB" smtClean="0"/>
-              <a:t>21/06/2016</a:t>
+              <a:t>12/07/2016</a:t>
             </a:fld>
             <a:endParaRPr lang="en-GB"/>
           </a:p>
@@ -3402,11 +3412,11 @@
           <a:lstStyle/>
           <a:p>
             <a:r>
-              <a:rPr lang="en-GB" dirty="0" smtClean="0"/>
+              <a:rPr lang="en-GB" dirty="0"/>
               <a:t>BBC </a:t>
             </a:r>
             <a:r>
-              <a:rPr lang="en-GB" dirty="0" err="1" smtClean="0"/>
+              <a:rPr lang="en-GB" dirty="0" err="1"/>
               <a:t>micro:bit</a:t>
             </a:r>
             <a:endParaRPr lang="en-GB" dirty="0"/>
@@ -3494,13 +3504,6 @@
   <p:clrMapOvr>
     <a:masterClrMapping/>
   </p:clrMapOvr>
-  <p:timing>
-    <p:tnLst>
-      <p:par>
-        <p:cTn id="1" dur="indefinite" restart="never" nodeType="tmRoot"/>
-      </p:par>
-    </p:tnLst>
-  </p:timing>
 </p:sld>
 </file>
 
@@ -3537,10 +3540,9 @@
           <a:lstStyle/>
           <a:p>
             <a:r>
-              <a:rPr lang="en-GB" dirty="0" smtClean="0"/>
+              <a:rPr lang="en-GB" dirty="0"/>
               <a:t>Starter</a:t>
             </a:r>
-            <a:endParaRPr lang="en-GB" dirty="0"/>
           </a:p>
         </p:txBody>
       </p:sp>
@@ -3570,20 +3572,16 @@
               <a:buNone/>
             </a:pPr>
             <a:r>
-              <a:rPr lang="en-GB" sz="2800" dirty="0" smtClean="0"/>
+              <a:rPr lang="en-GB" sz="2800" dirty="0"/>
               <a:t>Find out what a BBC </a:t>
             </a:r>
             <a:r>
-              <a:rPr lang="en-GB" sz="2800" dirty="0" err="1" smtClean="0"/>
+              <a:rPr lang="en-GB" sz="2800" dirty="0" err="1"/>
               <a:t>micro:bit</a:t>
             </a:r>
             <a:r>
-              <a:rPr lang="en-GB" sz="2800" dirty="0" smtClean="0"/>
-              <a:t> is</a:t>
-            </a:r>
-            <a:r>
-              <a:rPr lang="en-GB" sz="2800" dirty="0" smtClean="0"/>
-              <a:t>.</a:t>
+              <a:rPr lang="en-GB" sz="2800" dirty="0"/>
+              <a:t> is.</a:t>
             </a:r>
           </a:p>
           <a:p>
@@ -3591,14 +3589,14 @@
               <a:buNone/>
             </a:pPr>
             <a:r>
-              <a:rPr lang="en-GB" sz="2800" dirty="0" smtClean="0"/>
+              <a:rPr lang="en-GB" sz="2800" dirty="0"/>
               <a:t>Find out what companies made the </a:t>
             </a:r>
             <a:r>
-              <a:rPr lang="en-GB" sz="2800" dirty="0" err="1" smtClean="0"/>
+              <a:rPr lang="en-GB" sz="2800" dirty="0" err="1"/>
               <a:t>micro:bit</a:t>
             </a:r>
-            <a:endParaRPr lang="en-GB" sz="2800" dirty="0" smtClean="0"/>
+            <a:endParaRPr lang="en-GB" sz="2800" dirty="0"/>
           </a:p>
           <a:p>
             <a:pPr marL="0" indent="0">
@@ -3803,19 +3801,19 @@
               <a:buNone/>
             </a:pPr>
             <a:r>
-              <a:rPr lang="en-GB" sz="2800" dirty="0" smtClean="0">
+              <a:rPr lang="en-GB" sz="2800" dirty="0">
                 <a:hlinkClick r:id="rId2"/>
               </a:rPr>
               <a:t>Video</a:t>
             </a:r>
-            <a:endParaRPr lang="en-GB" sz="2800" dirty="0" smtClean="0"/>
+            <a:endParaRPr lang="en-GB" sz="2800" dirty="0"/>
           </a:p>
           <a:p>
             <a:pPr marL="0" indent="0">
               <a:buFont typeface="Arial" pitchFamily="34" charset="0"/>
               <a:buNone/>
             </a:pPr>
-            <a:endParaRPr lang="en-GB" sz="2800" dirty="0" smtClean="0"/>
+            <a:endParaRPr lang="en-GB" sz="2800" dirty="0"/>
           </a:p>
           <a:p>
             <a:pPr marL="0" indent="0">
@@ -3823,12 +3821,22 @@
               <a:buNone/>
             </a:pPr>
             <a:r>
-              <a:rPr lang="en-GB" sz="2800" dirty="0" err="1" smtClean="0"/>
+              <a:rPr lang="en-GB" sz="2800" dirty="0" err="1"/>
               <a:t>Micro:bit</a:t>
             </a:r>
             <a:r>
-              <a:rPr lang="en-GB" sz="2800" dirty="0" smtClean="0"/>
-              <a:t> website: https://microbit.co.uk</a:t>
+              <a:rPr lang="en-GB" sz="2800" dirty="0"/>
+              <a:t> website: </a:t>
+            </a:r>
+            <a:r>
+              <a:rPr lang="en-GB" sz="2800" dirty="0">
+                <a:hlinkClick r:id="rId3"/>
+              </a:rPr>
+              <a:t>https://microbit.co.uk</a:t>
+            </a:r>
+            <a:r>
+              <a:rPr lang="en-GB" sz="2800" dirty="0"/>
+              <a:t> </a:t>
             </a:r>
           </a:p>
           <a:p>
@@ -3836,7 +3844,7 @@
               <a:buFont typeface="Arial" pitchFamily="34" charset="0"/>
               <a:buNone/>
             </a:pPr>
-            <a:endParaRPr lang="en-GB" sz="2800" dirty="0" smtClean="0"/>
+            <a:endParaRPr lang="en-GB" sz="2800" dirty="0"/>
           </a:p>
           <a:p>
             <a:pPr marL="0" indent="0">
@@ -3971,11 +3979,11 @@
           <a:lstStyle/>
           <a:p>
             <a:r>
-              <a:rPr lang="en-GB" dirty="0" smtClean="0"/>
+              <a:rPr lang="en-GB" dirty="0"/>
               <a:t>Collect your </a:t>
             </a:r>
             <a:r>
-              <a:rPr lang="en-GB" dirty="0" err="1" smtClean="0"/>
+              <a:rPr lang="en-GB" dirty="0" err="1"/>
               <a:t>micro:bit</a:t>
             </a:r>
             <a:endParaRPr lang="en-GB" dirty="0"/>
@@ -4003,30 +4011,29 @@
           <a:lstStyle/>
           <a:p>
             <a:r>
-              <a:rPr lang="en-GB" dirty="0" smtClean="0"/>
+              <a:rPr lang="en-GB" dirty="0"/>
               <a:t>These </a:t>
             </a:r>
             <a:r>
-              <a:rPr lang="en-GB" dirty="0" err="1" smtClean="0"/>
+              <a:rPr lang="en-GB" dirty="0" err="1"/>
               <a:t>micro:bit’s</a:t>
             </a:r>
             <a:r>
-              <a:rPr lang="en-GB" dirty="0" smtClean="0"/>
+              <a:rPr lang="en-GB" dirty="0"/>
               <a:t> are yours to keep however they will be kept in school until the end of term</a:t>
             </a:r>
           </a:p>
           <a:p>
             <a:r>
-              <a:rPr lang="en-GB" dirty="0" smtClean="0"/>
+              <a:rPr lang="en-GB" dirty="0"/>
               <a:t>You should have everything in the image to the right</a:t>
             </a:r>
           </a:p>
           <a:p>
             <a:r>
-              <a:rPr lang="en-GB" dirty="0" smtClean="0"/>
+              <a:rPr lang="en-GB" dirty="0"/>
               <a:t>Please put your name and class on the sticker</a:t>
             </a:r>
-            <a:endParaRPr lang="en-GB" dirty="0"/>
           </a:p>
         </p:txBody>
       </p:sp>
@@ -4079,13 +4086,6 @@
   <p:clrMapOvr>
     <a:masterClrMapping/>
   </p:clrMapOvr>
-  <p:timing>
-    <p:tnLst>
-      <p:par>
-        <p:cTn id="1" dur="indefinite" restart="never" nodeType="tmRoot"/>
-      </p:par>
-    </p:tnLst>
-  </p:timing>
 </p:sld>
 </file>
 
@@ -4122,18 +4122,17 @@
           <a:lstStyle/>
           <a:p>
             <a:r>
-              <a:rPr lang="en-GB" dirty="0" smtClean="0"/>
+              <a:rPr lang="en-GB" dirty="0"/>
               <a:t>The </a:t>
             </a:r>
             <a:r>
-              <a:rPr lang="en-GB" dirty="0" err="1" smtClean="0"/>
+              <a:rPr lang="en-GB" dirty="0" err="1"/>
               <a:t>micro:bit</a:t>
             </a:r>
             <a:r>
-              <a:rPr lang="en-GB" dirty="0" smtClean="0"/>
+              <a:rPr lang="en-GB" dirty="0"/>
               <a:t> hardware</a:t>
             </a:r>
-            <a:endParaRPr lang="en-GB" dirty="0"/>
           </a:p>
         </p:txBody>
       </p:sp>
@@ -4251,13 +4250,6 @@
   <p:clrMapOvr>
     <a:masterClrMapping/>
   </p:clrMapOvr>
-  <p:timing>
-    <p:tnLst>
-      <p:par>
-        <p:cTn id="1" dur="indefinite" restart="never" nodeType="tmRoot"/>
-      </p:par>
-    </p:tnLst>
-  </p:timing>
 </p:sld>
 </file>
 
@@ -4294,10 +4286,9 @@
           <a:lstStyle/>
           <a:p>
             <a:r>
-              <a:rPr lang="en-GB" dirty="0" smtClean="0"/>
+              <a:rPr lang="en-GB" dirty="0"/>
               <a:t>Hello, World!</a:t>
             </a:r>
-            <a:endParaRPr lang="en-GB" dirty="0"/>
           </a:p>
         </p:txBody>
       </p:sp>
@@ -4322,34 +4313,34 @@
           <a:lstStyle/>
           <a:p>
             <a:r>
-              <a:rPr lang="en-GB" dirty="0" smtClean="0"/>
+              <a:rPr lang="en-GB" dirty="0"/>
               <a:t>Plug your USB cable into your computer and </a:t>
             </a:r>
             <a:r>
-              <a:rPr lang="en-GB" dirty="0" err="1" smtClean="0"/>
+              <a:rPr lang="en-GB" dirty="0" err="1"/>
               <a:t>micro:bit</a:t>
             </a:r>
-            <a:endParaRPr lang="en-GB" dirty="0" smtClean="0"/>
-          </a:p>
-          <a:p>
-            <a:r>
-              <a:rPr lang="en-GB" dirty="0" smtClean="0"/>
+            <a:endParaRPr lang="en-GB" dirty="0"/>
+          </a:p>
+          <a:p>
+            <a:r>
+              <a:rPr lang="en-GB" dirty="0"/>
               <a:t>Run through setup</a:t>
             </a:r>
           </a:p>
           <a:p>
             <a:r>
-              <a:rPr lang="en-GB" dirty="0" smtClean="0"/>
+              <a:rPr lang="en-GB" dirty="0"/>
               <a:t>Go to </a:t>
             </a:r>
             <a:r>
-              <a:rPr lang="en-GB" dirty="0" smtClean="0">
+              <a:rPr lang="en-GB" dirty="0">
                 <a:hlinkClick r:id="rId2"/>
               </a:rPr>
-              <a:t>https://n3x.pw/microbit/dev</a:t>
-            </a:r>
-            <a:r>
-              <a:rPr lang="en-GB" dirty="0" smtClean="0"/>
+              <a:t>http://microbit.co.uk/app/</a:t>
+            </a:r>
+            <a:r>
+              <a:rPr lang="en-GB" dirty="0"/>
               <a:t> </a:t>
             </a:r>
           </a:p>
@@ -4374,7 +4365,7 @@
             <a:pPr marL="0" indent="0">
               <a:buNone/>
             </a:pPr>
-            <a:endParaRPr lang="en-GB" dirty="0" smtClean="0"/>
+            <a:endParaRPr lang="en-GB" dirty="0"/>
           </a:p>
         </p:txBody>
       </p:sp>
@@ -4427,13 +4418,6 @@
   <p:clrMapOvr>
     <a:masterClrMapping/>
   </p:clrMapOvr>
-  <p:timing>
-    <p:tnLst>
-      <p:par>
-        <p:cTn id="1" dur="indefinite" restart="never" nodeType="tmRoot"/>
-      </p:par>
-    </p:tnLst>
-  </p:timing>
 </p:sld>
 </file>
 
@@ -4470,10 +4454,9 @@
           <a:lstStyle/>
           <a:p>
             <a:r>
-              <a:rPr lang="en-GB" dirty="0" smtClean="0"/>
+              <a:rPr lang="en-GB" dirty="0"/>
               <a:t>Hello, World!</a:t>
             </a:r>
-            <a:endParaRPr lang="en-GB" dirty="0"/>
           </a:p>
         </p:txBody>
       </p:sp>
@@ -4493,12 +4476,8 @@
           <a:lstStyle/>
           <a:p>
             <a:r>
-              <a:rPr lang="en-GB" dirty="0" smtClean="0"/>
-              <a:t>Click </a:t>
-            </a:r>
-            <a:r>
               <a:rPr lang="en-GB" dirty="0"/>
-              <a:t>Download</a:t>
+              <a:t>Click Download</a:t>
             </a:r>
           </a:p>
           <a:p>
@@ -4512,13 +4491,8 @@
             </a:r>
             <a:r>
               <a:rPr lang="en-GB" dirty="0"/>
-              <a:t> (see </a:t>
-            </a:r>
-            <a:r>
-              <a:rPr lang="en-GB" dirty="0" smtClean="0"/>
-              <a:t>image below)</a:t>
-            </a:r>
-            <a:endParaRPr lang="en-GB" dirty="0"/>
+              <a:t> (see image below)</a:t>
+            </a:r>
           </a:p>
           <a:p>
             <a:endParaRPr lang="en-GB" dirty="0"/>
@@ -4587,13 +4561,6 @@
   <p:clrMapOvr>
     <a:masterClrMapping/>
   </p:clrMapOvr>
-  <p:timing>
-    <p:tnLst>
-      <p:par>
-        <p:cTn id="1" dur="indefinite" restart="never" nodeType="tmRoot"/>
-      </p:par>
-    </p:tnLst>
-  </p:timing>
 </p:sld>
 </file>
 
@@ -4630,10 +4597,9 @@
           <a:lstStyle/>
           <a:p>
             <a:r>
-              <a:rPr lang="en-GB" dirty="0" smtClean="0"/>
+              <a:rPr lang="en-GB" dirty="0"/>
               <a:t>Documentation</a:t>
             </a:r>
-            <a:endParaRPr lang="en-GB" dirty="0"/>
           </a:p>
         </p:txBody>
       </p:sp>
@@ -4653,37 +4619,37 @@
           <a:lstStyle/>
           <a:p>
             <a:r>
-              <a:rPr lang="en-GB" dirty="0" smtClean="0"/>
+              <a:rPr lang="en-GB" dirty="0"/>
               <a:t>The BBC has provided documentation to help you code your </a:t>
             </a:r>
             <a:r>
-              <a:rPr lang="en-GB" dirty="0" err="1" smtClean="0"/>
+              <a:rPr lang="en-GB" dirty="0" err="1"/>
               <a:t>micro:bit</a:t>
             </a:r>
             <a:r>
-              <a:rPr lang="en-GB" dirty="0" smtClean="0"/>
+              <a:rPr lang="en-GB" dirty="0"/>
               <a:t> with Python</a:t>
             </a:r>
           </a:p>
           <a:p>
             <a:r>
-              <a:rPr lang="en-GB" dirty="0" smtClean="0"/>
+              <a:rPr lang="en-GB" dirty="0"/>
               <a:t>Go to </a:t>
             </a:r>
             <a:r>
-              <a:rPr lang="en-GB" dirty="0" smtClean="0">
+              <a:rPr lang="en-GB" dirty="0">
                 <a:hlinkClick r:id="rId2"/>
               </a:rPr>
-              <a:t>https://n3x.pw/microbit</a:t>
-            </a:r>
-            <a:r>
-              <a:rPr lang="en-GB" dirty="0" smtClean="0"/>
+              <a:t>http://bit.ly/microbit-docs</a:t>
+            </a:r>
+            <a:r>
+              <a:rPr lang="en-GB" dirty="0"/>
               <a:t> </a:t>
             </a:r>
           </a:p>
           <a:p>
             <a:r>
-              <a:rPr lang="en-GB" dirty="0" smtClean="0"/>
+              <a:rPr lang="en-GB" dirty="0"/>
               <a:t>Have a look through the pages</a:t>
             </a:r>
           </a:p>
@@ -4695,7 +4661,7 @@
               <a:buNone/>
             </a:pPr>
             <a:r>
-              <a:rPr lang="en-GB" u="sng" dirty="0" smtClean="0"/>
+              <a:rPr lang="en-GB" u="sng" dirty="0"/>
               <a:t>Task:</a:t>
             </a:r>
           </a:p>
@@ -4704,12 +4670,8 @@
               <a:buNone/>
             </a:pPr>
             <a:r>
-              <a:rPr lang="en-GB" dirty="0" smtClean="0"/>
-              <a:t>How would you create a COW Image</a:t>
-            </a:r>
-            <a:r>
-              <a:rPr lang="en-GB" dirty="0" smtClean="0"/>
-              <a:t>?</a:t>
+              <a:rPr lang="en-GB" dirty="0"/>
+              <a:t>How would you create a COW Image?</a:t>
             </a:r>
           </a:p>
           <a:p>
@@ -4717,7 +4679,7 @@
               <a:buNone/>
             </a:pPr>
             <a:r>
-              <a:rPr lang="en-GB" dirty="0" smtClean="0"/>
+              <a:rPr lang="en-GB" dirty="0"/>
               <a:t>The text after “Image.” should always </a:t>
             </a:r>
           </a:p>
@@ -4726,10 +4688,9 @@
               <a:buNone/>
             </a:pPr>
             <a:r>
-              <a:rPr lang="en-GB" smtClean="0"/>
+              <a:rPr lang="en-GB" dirty="0"/>
               <a:t>be all-caps</a:t>
             </a:r>
-            <a:endParaRPr lang="en-GB" dirty="0"/>
           </a:p>
         </p:txBody>
       </p:sp>
@@ -4782,13 +4743,6 @@
   <p:clrMapOvr>
     <a:masterClrMapping/>
   </p:clrMapOvr>
-  <p:timing>
-    <p:tnLst>
-      <p:par>
-        <p:cTn id="1" dur="indefinite" restart="never" nodeType="tmRoot"/>
-      </p:par>
-    </p:tnLst>
-  </p:timing>
 </p:sld>
 </file>
 
@@ -4825,10 +4779,9 @@
           <a:lstStyle/>
           <a:p>
             <a:r>
-              <a:rPr lang="en-GB" dirty="0" smtClean="0"/>
+              <a:rPr lang="en-GB" dirty="0"/>
               <a:t>Getting Started Task</a:t>
             </a:r>
-            <a:endParaRPr lang="en-GB" dirty="0"/>
           </a:p>
         </p:txBody>
       </p:sp>
@@ -4853,97 +4806,58 @@
               <a:buNone/>
             </a:pPr>
             <a:r>
-              <a:rPr lang="en-GB" dirty="0" smtClean="0"/>
-              <a:t>To </a:t>
-            </a:r>
-            <a:r>
               <a:rPr lang="en-GB" dirty="0"/>
-              <a:t>start with you need to create a program that: </a:t>
+              <a:t>To start with you need to create a program that: </a:t>
             </a:r>
           </a:p>
           <a:p>
             <a:pPr lvl="1"/>
             <a:r>
-              <a:rPr lang="en-GB" dirty="0" smtClean="0"/>
-              <a:t>Displays </a:t>
-            </a:r>
-            <a:r>
               <a:rPr lang="en-GB" dirty="0"/>
-              <a:t>the HEART image when </a:t>
-            </a:r>
-            <a:r>
-              <a:rPr lang="en-GB" dirty="0" smtClean="0"/>
-              <a:t>idle</a:t>
-            </a:r>
+              <a:t>Displays the HEART image when idle</a:t>
+            </a:r>
+          </a:p>
+          <a:p>
+            <a:pPr lvl="1"/>
+            <a:r>
+              <a:rPr lang="en-GB" dirty="0"/>
+              <a:t>Displays any text when button A is pressed</a:t>
+            </a:r>
+          </a:p>
+          <a:p>
+            <a:pPr lvl="1"/>
+            <a:r>
+              <a:rPr lang="en-GB" dirty="0"/>
+              <a:t>Displays any text when button B is pressed</a:t>
+            </a:r>
+          </a:p>
+          <a:p>
+            <a:pPr lvl="1"/>
+            <a:r>
+              <a:rPr lang="en-GB" dirty="0"/>
+              <a:t>Has a 5 second delay between output and reset</a:t>
+            </a:r>
+          </a:p>
+          <a:p>
+            <a:pPr lvl="1"/>
             <a:endParaRPr lang="en-GB" dirty="0"/>
           </a:p>
           <a:p>
             <a:pPr lvl="1"/>
-            <a:r>
-              <a:rPr lang="en-GB" dirty="0" smtClean="0"/>
-              <a:t>Displays </a:t>
-            </a:r>
-            <a:r>
-              <a:rPr lang="en-GB" dirty="0"/>
-              <a:t>any text when button A is </a:t>
-            </a:r>
-            <a:r>
-              <a:rPr lang="en-GB" dirty="0" smtClean="0"/>
-              <a:t>pressed</a:t>
-            </a:r>
             <a:endParaRPr lang="en-GB" dirty="0"/>
           </a:p>
           <a:p>
             <a:pPr lvl="1"/>
-            <a:r>
-              <a:rPr lang="en-GB" dirty="0" smtClean="0"/>
-              <a:t>Displays </a:t>
-            </a:r>
-            <a:r>
-              <a:rPr lang="en-GB" dirty="0"/>
-              <a:t>any text when button B is </a:t>
-            </a:r>
-            <a:r>
-              <a:rPr lang="en-GB" dirty="0" smtClean="0"/>
-              <a:t>pressed</a:t>
-            </a:r>
             <a:endParaRPr lang="en-GB" dirty="0"/>
           </a:p>
           <a:p>
-            <a:pPr lvl="1"/>
-            <a:r>
-              <a:rPr lang="en-GB" dirty="0" smtClean="0"/>
-              <a:t>Has </a:t>
-            </a:r>
-            <a:r>
-              <a:rPr lang="en-GB" dirty="0"/>
-              <a:t>a 5 second delay between output and </a:t>
-            </a:r>
-            <a:r>
-              <a:rPr lang="en-GB" dirty="0" smtClean="0"/>
-              <a:t>reset</a:t>
-            </a:r>
-          </a:p>
-          <a:p>
-            <a:pPr marL="0" indent="0">
-              <a:buNone/>
-            </a:pPr>
-            <a:endParaRPr lang="en-GB" dirty="0" smtClean="0"/>
-          </a:p>
-          <a:p>
-            <a:pPr marL="0" indent="0">
+            <a:pPr marL="274320" lvl="1" indent="0">
               <a:buNone/>
             </a:pPr>
             <a:endParaRPr lang="en-GB" dirty="0"/>
           </a:p>
           <a:p>
-            <a:pPr marL="0" indent="0">
-              <a:buNone/>
-            </a:pPr>
-            <a:endParaRPr lang="en-GB" dirty="0" smtClean="0"/>
-          </a:p>
-          <a:p>
-            <a:pPr marL="0" indent="0">
+            <a:pPr marL="274320" lvl="1" indent="0">
               <a:buNone/>
             </a:pPr>
             <a:endParaRPr lang="en-GB" dirty="0"/>
@@ -4952,12 +4866,6 @@
             <a:pPr marL="0" indent="0">
               <a:buNone/>
             </a:pPr>
-            <a:endParaRPr lang="en-GB" dirty="0"/>
-          </a:p>
-          <a:p>
-            <a:pPr marL="0" indent="0">
-              <a:buNone/>
-            </a:pPr>
             <a:r>
               <a:rPr lang="en-GB" b="1" dirty="0"/>
               <a:t>Extension task </a:t>
@@ -4971,6 +4879,25 @@
               <a:t>startup</a:t>
             </a:r>
             <a:endParaRPr lang="en-GB" dirty="0"/>
+          </a:p>
+          <a:p>
+            <a:pPr marL="0" indent="0">
+              <a:buNone/>
+            </a:pPr>
+            <a:r>
+              <a:rPr lang="en-GB" b="1" dirty="0"/>
+              <a:t>Solution: </a:t>
+            </a:r>
+            <a:r>
+              <a:rPr lang="en-GB" dirty="0">
+                <a:hlinkClick r:id="rId2"/>
+              </a:rPr>
+              <a:t>http://bit.ly/microbit-start</a:t>
+            </a:r>
+            <a:r>
+              <a:rPr lang="en-GB" dirty="0"/>
+              <a:t> </a:t>
+            </a:r>
           </a:p>
           <a:p>
             <a:endParaRPr lang="en-GB" dirty="0"/>
@@ -4986,7 +4913,7 @@
           <p:nvPr/>
         </p:nvPicPr>
         <p:blipFill rotWithShape="1">
-          <a:blip r:embed="rId2" cstate="print">
+          <a:blip r:embed="rId3" cstate="print">
             <a:extLst>
               <a:ext uri="{28A0092B-C50C-407E-A947-70E740481C1C}">
                 <a14:useLocalDpi xmlns:a14="http://schemas.microsoft.com/office/drawing/2010/main" val="0"/>
@@ -5029,7 +4956,79 @@
   <p:timing>
     <p:tnLst>
       <p:par>
-        <p:cTn id="1" dur="indefinite" restart="never" nodeType="tmRoot"/>
+        <p:cTn id="1" dur="indefinite" restart="never" nodeType="tmRoot">
+          <p:childTnLst>
+            <p:seq concurrent="1" nextAc="seek">
+              <p:cTn id="2" dur="indefinite" nodeType="mainSeq">
+                <p:childTnLst>
+                  <p:par>
+                    <p:cTn id="3" fill="hold">
+                      <p:stCondLst>
+                        <p:cond delay="indefinite"/>
+                      </p:stCondLst>
+                      <p:childTnLst>
+                        <p:par>
+                          <p:cTn id="4" fill="hold">
+                            <p:stCondLst>
+                              <p:cond delay="0"/>
+                            </p:stCondLst>
+                            <p:childTnLst>
+                              <p:par>
+                                <p:cTn id="5" presetID="1" presetClass="entr" presetSubtype="0" fill="hold" nodeType="clickEffect">
+                                  <p:stCondLst>
+                                    <p:cond delay="0"/>
+                                  </p:stCondLst>
+                                  <p:childTnLst>
+                                    <p:set>
+                                      <p:cBhvr>
+                                        <p:cTn id="6" dur="1" fill="hold">
+                                          <p:stCondLst>
+                                            <p:cond delay="0"/>
+                                          </p:stCondLst>
+                                        </p:cTn>
+                                        <p:tgtEl>
+                                          <p:spTgt spid="3">
+                                            <p:txEl>
+                                              <p:pRg st="11" end="11"/>
+                                            </p:txEl>
+                                          </p:spTgt>
+                                        </p:tgtEl>
+                                        <p:attrNameLst>
+                                          <p:attrName>style.visibility</p:attrName>
+                                        </p:attrNameLst>
+                                      </p:cBhvr>
+                                      <p:to>
+                                        <p:strVal val="visible"/>
+                                      </p:to>
+                                    </p:set>
+                                  </p:childTnLst>
+                                </p:cTn>
+                              </p:par>
+                            </p:childTnLst>
+                          </p:cTn>
+                        </p:par>
+                      </p:childTnLst>
+                    </p:cTn>
+                  </p:par>
+                </p:childTnLst>
+              </p:cTn>
+              <p:prevCondLst>
+                <p:cond evt="onPrev" delay="0">
+                  <p:tgtEl>
+                    <p:sldTgt/>
+                  </p:tgtEl>
+                </p:cond>
+              </p:prevCondLst>
+              <p:nextCondLst>
+                <p:cond evt="onNext" delay="0">
+                  <p:tgtEl>
+                    <p:sldTgt/>
+                  </p:tgtEl>
+                </p:cond>
+              </p:nextCondLst>
+            </p:seq>
+          </p:childTnLst>
+        </p:cTn>
       </p:par>
     </p:tnLst>
   </p:timing>
